--- a/ppts/005_CondsFiles.pptx
+++ b/ppts/005_CondsFiles.pptx
@@ -204,7 +204,7 @@
           <a:p>
             <a:fld id="{8D681A6A-03CD-F341-B09C-CC55D753E4D3}" type="datetimeFigureOut">
               <a:rPr lang="en-US" smtClean="0"/>
-              <a:t>6/13/2023</a:t>
+              <a:t>1/30/2024</a:t>
             </a:fld>
             <a:endParaRPr lang="en-US"/>
           </a:p>
@@ -621,7 +621,7 @@
           <a:p>
             <a:fld id="{1160EA64-D806-43AC-9DF2-F8C432F32B4C}" type="datetimeFigureOut">
               <a:rPr lang="en-US" smtClean="0"/>
-              <a:t>6/13/2023</a:t>
+              <a:t>1/30/2024</a:t>
             </a:fld>
             <a:endParaRPr lang="en-US" dirty="0"/>
           </a:p>
@@ -822,7 +822,7 @@
           <a:p>
             <a:fld id="{E9F9C37B-1D36-470B-8223-D6C91242EC14}" type="datetimeFigureOut">
               <a:rPr lang="en-US" smtClean="0"/>
-              <a:t>6/13/2023</a:t>
+              <a:t>1/30/2024</a:t>
             </a:fld>
             <a:endParaRPr lang="en-US" dirty="0"/>
           </a:p>
@@ -1032,7 +1032,7 @@
           <a:p>
             <a:fld id="{67C6F52A-A82B-47A2-A83A-8C4C91F2D59F}" type="datetimeFigureOut">
               <a:rPr lang="en-US" smtClean="0"/>
-              <a:t>6/13/2023</a:t>
+              <a:t>1/30/2024</a:t>
             </a:fld>
             <a:endParaRPr lang="en-US" dirty="0"/>
           </a:p>
@@ -1232,7 +1232,7 @@
           <a:p>
             <a:fld id="{F070A7B3-6521-4DCA-87E5-044747A908C1}" type="datetimeFigureOut">
               <a:rPr lang="en-US" smtClean="0"/>
-              <a:t>6/13/2023</a:t>
+              <a:t>1/30/2024</a:t>
             </a:fld>
             <a:endParaRPr lang="en-US" dirty="0"/>
           </a:p>
@@ -1509,7 +1509,7 @@
           <a:p>
             <a:fld id="{1160EA64-D806-43AC-9DF2-F8C432F32B4C}" type="datetimeFigureOut">
               <a:rPr lang="en-US" smtClean="0"/>
-              <a:t>6/13/2023</a:t>
+              <a:t>1/30/2024</a:t>
             </a:fld>
             <a:endParaRPr lang="en-US" dirty="0"/>
           </a:p>
@@ -1778,7 +1778,7 @@
           <a:p>
             <a:fld id="{AB134690-1557-4C89-A502-4959FE7FAD70}" type="datetimeFigureOut">
               <a:rPr lang="en-US" smtClean="0"/>
-              <a:t>6/13/2023</a:t>
+              <a:t>1/30/2024</a:t>
             </a:fld>
             <a:endParaRPr lang="en-US" dirty="0"/>
           </a:p>
@@ -2193,7 +2193,7 @@
           <a:p>
             <a:fld id="{1160EA64-D806-43AC-9DF2-F8C432F32B4C}" type="datetimeFigureOut">
               <a:rPr lang="en-US" smtClean="0"/>
-              <a:t>6/13/2023</a:t>
+              <a:t>1/30/2024</a:t>
             </a:fld>
             <a:endParaRPr lang="en-US" dirty="0"/>
           </a:p>
@@ -2337,7 +2337,7 @@
           <a:p>
             <a:fld id="{E1037C31-9E7A-4F99-8774-A0E530DE1A42}" type="datetimeFigureOut">
               <a:rPr lang="en-US" smtClean="0"/>
-              <a:t>6/13/2023</a:t>
+              <a:t>1/30/2024</a:t>
             </a:fld>
             <a:endParaRPr lang="en-US" dirty="0"/>
           </a:p>
@@ -2450,7 +2450,7 @@
           <a:p>
             <a:fld id="{C278504F-A551-4DE0-9316-4DCD1D8CC752}" type="datetimeFigureOut">
               <a:rPr lang="en-US" smtClean="0"/>
-              <a:t>6/13/2023</a:t>
+              <a:t>1/30/2024</a:t>
             </a:fld>
             <a:endParaRPr lang="en-US" dirty="0"/>
           </a:p>
@@ -2763,7 +2763,7 @@
           <a:p>
             <a:fld id="{D1BE4249-C0D0-4B06-8692-E8BB871AF643}" type="datetimeFigureOut">
               <a:rPr lang="en-US" smtClean="0"/>
-              <a:t>6/13/2023</a:t>
+              <a:t>1/30/2024</a:t>
             </a:fld>
             <a:endParaRPr lang="en-US" dirty="0"/>
           </a:p>
@@ -3052,7 +3052,7 @@
           <a:p>
             <a:fld id="{042B0DB6-F5C7-45FB-8CF3-31B45F9C2DAC}" type="datetimeFigureOut">
               <a:rPr lang="en-US" smtClean="0"/>
-              <a:t>6/13/2023</a:t>
+              <a:t>1/30/2024</a:t>
             </a:fld>
             <a:endParaRPr lang="en-US" dirty="0"/>
           </a:p>
@@ -3295,7 +3295,7 @@
           <a:p>
             <a:fld id="{1160EA64-D806-43AC-9DF2-F8C432F32B4C}" type="datetimeFigureOut">
               <a:rPr lang="en-US" smtClean="0"/>
-              <a:t>6/13/2023</a:t>
+              <a:t>1/30/2024</a:t>
             </a:fld>
             <a:endParaRPr lang="en-US" dirty="0"/>
           </a:p>
@@ -4855,34 +4855,34 @@
         </p:spPr>
         <p:txBody>
           <a:bodyPr anchor="ctr">
-            <a:normAutofit/>
+            <a:normAutofit lnSpcReduction="10000"/>
           </a:bodyPr>
           <a:lstStyle/>
           <a:p>
             <a:pPr lvl="0"/>
             <a:r>
-              <a:rPr lang="en-GB" sz="3200" dirty="0"/>
+              <a:rPr lang="en-GB" sz="3600" dirty="0"/>
               <a:t>To add a practice block to your CRT task</a:t>
             </a:r>
           </a:p>
           <a:p>
             <a:pPr lvl="0"/>
             <a:r>
-              <a:rPr lang="en-GB" sz="3200" dirty="0"/>
+              <a:rPr lang="en-GB" sz="3600" dirty="0"/>
               <a:t>To think about some of the different uses of conditions files</a:t>
             </a:r>
           </a:p>
           <a:p>
             <a:pPr lvl="0"/>
             <a:r>
-              <a:rPr lang="en-GB" sz="3200" dirty="0"/>
+              <a:rPr lang="en-GB" sz="3600" dirty="0"/>
               <a:t>To think about confounds and experimental design</a:t>
             </a:r>
           </a:p>
           <a:p>
             <a:pPr lvl="0"/>
             <a:r>
-              <a:rPr lang="en-GB" sz="3200" dirty="0"/>
+              <a:rPr lang="en-GB" sz="3600" dirty="0"/>
               <a:t>To gain some more practice using PsychoPy Builder</a:t>
             </a:r>
           </a:p>
